--- a/Powerpoint/Webinar Developer.pptx
+++ b/Powerpoint/Webinar Developer.pptx
@@ -5,11 +5,11 @@
     <p:sldMasterId id="2147483648" r:id="rId1"/>
   </p:sldMasterIdLst>
   <p:notesMasterIdLst>
-    <p:notesMasterId r:id="rId23"/>
+    <p:notesMasterId r:id="rId26"/>
   </p:notesMasterIdLst>
   <p:sldIdLst>
     <p:sldId id="256" r:id="rId2"/>
-    <p:sldId id="294" r:id="rId3"/>
+    <p:sldId id="384" r:id="rId3"/>
     <p:sldId id="295" r:id="rId4"/>
     <p:sldId id="296" r:id="rId5"/>
     <p:sldId id="381" r:id="rId6"/>
@@ -28,7 +28,10 @@
     <p:sldId id="308" r:id="rId19"/>
     <p:sldId id="309" r:id="rId20"/>
     <p:sldId id="383" r:id="rId21"/>
-    <p:sldId id="310" r:id="rId22"/>
+    <p:sldId id="368" r:id="rId22"/>
+    <p:sldId id="369" r:id="rId23"/>
+    <p:sldId id="370" r:id="rId24"/>
+    <p:sldId id="310" r:id="rId25"/>
   </p:sldIdLst>
   <p:sldSz cx="12192000" cy="6858000"/>
   <p:notesSz cx="6858000" cy="9144000"/>
@@ -217,7 +220,7 @@
           <a:p>
             <a:fld id="{EF7605A9-D843-407C-9CBE-B56DCAD297D7}" type="datetimeFigureOut">
               <a:rPr lang="en-US" smtClean="0"/>
-              <a:t>8/28/2020</a:t>
+              <a:t>5/27/2021</a:t>
             </a:fld>
             <a:endParaRPr lang="en-US"/>
           </a:p>
@@ -616,24 +619,16 @@
           <a:bodyPr/>
           <a:lstStyle/>
           <a:p>
-            <a:r>
-              <a:rPr lang="en-US" noProof="0" dirty="0"/>
-              <a:t>Make a list of the modules you will go through. Briefly explain what each module teaches.</a:t>
-            </a:r>
-          </a:p>
-          <a:p>
-            <a:endParaRPr lang="en-US" noProof="0" dirty="0"/>
-          </a:p>
-          <a:p>
-            <a:r>
-              <a:rPr lang="en-US" noProof="0" dirty="0"/>
-              <a:t>Delete the modules </a:t>
-            </a:r>
-            <a:r>
-              <a:rPr lang="en-US" noProof="0"/>
-              <a:t>you will not teach.</a:t>
-            </a:r>
-            <a:endParaRPr lang="en-US" noProof="0" dirty="0"/>
+            <a:pPr marL="342900" lvl="0" indent="-342900">
+              <a:buFont typeface="Symbol" panose="05050102010706020507" pitchFamily="18" charset="2"/>
+              <a:buChar char=""/>
+            </a:pPr>
+            <a:endParaRPr lang="en-NL" sz="1100" dirty="0">
+              <a:effectLst/>
+              <a:latin typeface="Calibri" panose="020F0502020204030204" pitchFamily="34" charset="0"/>
+              <a:ea typeface="Calibri" panose="020F0502020204030204" pitchFamily="34" charset="0"/>
+              <a:cs typeface="Times New Roman" panose="02020603050405020304" pitchFamily="18" charset="0"/>
+            </a:endParaRPr>
           </a:p>
         </p:txBody>
       </p:sp>
@@ -875,6 +870,258 @@
 </p:notes>
 </file>
 
+<file path=ppt/notesSlides/notesSlide4.xml><?xml version="1.0" encoding="utf-8"?>
+<p:notes xmlns:a="http://schemas.openxmlformats.org/drawingml/2006/main" xmlns:r="http://schemas.openxmlformats.org/officeDocument/2006/relationships" xmlns:p="http://schemas.openxmlformats.org/presentationml/2006/main">
+  <p:cSld>
+    <p:spTree>
+      <p:nvGrpSpPr>
+        <p:cNvPr id="1" name=""/>
+        <p:cNvGrpSpPr/>
+        <p:nvPr/>
+      </p:nvGrpSpPr>
+      <p:grpSpPr>
+        <a:xfrm>
+          <a:off x="0" y="0"/>
+          <a:ext cx="0" cy="0"/>
+          <a:chOff x="0" y="0"/>
+          <a:chExt cx="0" cy="0"/>
+        </a:xfrm>
+      </p:grpSpPr>
+      <p:sp>
+        <p:nvSpPr>
+          <p:cNvPr id="2" name="Slide Image Placeholder 1"/>
+          <p:cNvSpPr>
+            <a:spLocks noGrp="1" noRot="1" noChangeAspect="1"/>
+          </p:cNvSpPr>
+          <p:nvPr>
+            <p:ph type="sldImg"/>
+          </p:nvPr>
+        </p:nvSpPr>
+        <p:spPr/>
+      </p:sp>
+      <p:sp>
+        <p:nvSpPr>
+          <p:cNvPr id="3" name="Notes Placeholder 2"/>
+          <p:cNvSpPr>
+            <a:spLocks noGrp="1"/>
+          </p:cNvSpPr>
+          <p:nvPr>
+            <p:ph type="body" idx="1"/>
+          </p:nvPr>
+        </p:nvSpPr>
+        <p:spPr/>
+        <p:txBody>
+          <a:bodyPr/>
+          <a:lstStyle/>
+          <a:p>
+            <a:endParaRPr lang="en-US" dirty="0"/>
+          </a:p>
+        </p:txBody>
+      </p:sp>
+      <p:sp>
+        <p:nvSpPr>
+          <p:cNvPr id="4" name="Slide Number Placeholder 3"/>
+          <p:cNvSpPr>
+            <a:spLocks noGrp="1"/>
+          </p:cNvSpPr>
+          <p:nvPr>
+            <p:ph type="sldNum" sz="quarter" idx="5"/>
+          </p:nvPr>
+        </p:nvSpPr>
+        <p:spPr/>
+        <p:txBody>
+          <a:bodyPr/>
+          <a:lstStyle/>
+          <a:p>
+            <a:fld id="{2739E3C3-4FB9-4843-9319-0724EB9DF2B9}" type="slidenum">
+              <a:rPr lang="da-DK" smtClean="0"/>
+              <a:t>21</a:t>
+            </a:fld>
+            <a:endParaRPr lang="da-DK"/>
+          </a:p>
+        </p:txBody>
+      </p:sp>
+    </p:spTree>
+    <p:extLst>
+      <p:ext uri="{BB962C8B-B14F-4D97-AF65-F5344CB8AC3E}">
+        <p14:creationId xmlns:p14="http://schemas.microsoft.com/office/powerpoint/2010/main" val="4073952620"/>
+      </p:ext>
+    </p:extLst>
+  </p:cSld>
+  <p:clrMapOvr>
+    <a:masterClrMapping/>
+  </p:clrMapOvr>
+</p:notes>
+</file>
+
+<file path=ppt/notesSlides/notesSlide5.xml><?xml version="1.0" encoding="utf-8"?>
+<p:notes xmlns:a="http://schemas.openxmlformats.org/drawingml/2006/main" xmlns:r="http://schemas.openxmlformats.org/officeDocument/2006/relationships" xmlns:p="http://schemas.openxmlformats.org/presentationml/2006/main">
+  <p:cSld>
+    <p:spTree>
+      <p:nvGrpSpPr>
+        <p:cNvPr id="1" name=""/>
+        <p:cNvGrpSpPr/>
+        <p:nvPr/>
+      </p:nvGrpSpPr>
+      <p:grpSpPr>
+        <a:xfrm>
+          <a:off x="0" y="0"/>
+          <a:ext cx="0" cy="0"/>
+          <a:chOff x="0" y="0"/>
+          <a:chExt cx="0" cy="0"/>
+        </a:xfrm>
+      </p:grpSpPr>
+      <p:sp>
+        <p:nvSpPr>
+          <p:cNvPr id="2" name="Slide Image Placeholder 1"/>
+          <p:cNvSpPr>
+            <a:spLocks noGrp="1" noRot="1" noChangeAspect="1"/>
+          </p:cNvSpPr>
+          <p:nvPr>
+            <p:ph type="sldImg"/>
+          </p:nvPr>
+        </p:nvSpPr>
+        <p:spPr/>
+      </p:sp>
+      <p:sp>
+        <p:nvSpPr>
+          <p:cNvPr id="3" name="Notes Placeholder 2"/>
+          <p:cNvSpPr>
+            <a:spLocks noGrp="1"/>
+          </p:cNvSpPr>
+          <p:nvPr>
+            <p:ph type="body" idx="1"/>
+          </p:nvPr>
+        </p:nvSpPr>
+        <p:spPr/>
+        <p:txBody>
+          <a:bodyPr/>
+          <a:lstStyle/>
+          <a:p>
+            <a:endParaRPr lang="en-US" dirty="0"/>
+          </a:p>
+        </p:txBody>
+      </p:sp>
+      <p:sp>
+        <p:nvSpPr>
+          <p:cNvPr id="4" name="Slide Number Placeholder 3"/>
+          <p:cNvSpPr>
+            <a:spLocks noGrp="1"/>
+          </p:cNvSpPr>
+          <p:nvPr>
+            <p:ph type="sldNum" sz="quarter" idx="5"/>
+          </p:nvPr>
+        </p:nvSpPr>
+        <p:spPr/>
+        <p:txBody>
+          <a:bodyPr/>
+          <a:lstStyle/>
+          <a:p>
+            <a:fld id="{2739E3C3-4FB9-4843-9319-0724EB9DF2B9}" type="slidenum">
+              <a:rPr lang="da-DK" smtClean="0"/>
+              <a:t>22</a:t>
+            </a:fld>
+            <a:endParaRPr lang="da-DK"/>
+          </a:p>
+        </p:txBody>
+      </p:sp>
+    </p:spTree>
+    <p:extLst>
+      <p:ext uri="{BB962C8B-B14F-4D97-AF65-F5344CB8AC3E}">
+        <p14:creationId xmlns:p14="http://schemas.microsoft.com/office/powerpoint/2010/main" val="1466071632"/>
+      </p:ext>
+    </p:extLst>
+  </p:cSld>
+  <p:clrMapOvr>
+    <a:masterClrMapping/>
+  </p:clrMapOvr>
+</p:notes>
+</file>
+
+<file path=ppt/notesSlides/notesSlide6.xml><?xml version="1.0" encoding="utf-8"?>
+<p:notes xmlns:a="http://schemas.openxmlformats.org/drawingml/2006/main" xmlns:r="http://schemas.openxmlformats.org/officeDocument/2006/relationships" xmlns:p="http://schemas.openxmlformats.org/presentationml/2006/main">
+  <p:cSld>
+    <p:spTree>
+      <p:nvGrpSpPr>
+        <p:cNvPr id="1" name=""/>
+        <p:cNvGrpSpPr/>
+        <p:nvPr/>
+      </p:nvGrpSpPr>
+      <p:grpSpPr>
+        <a:xfrm>
+          <a:off x="0" y="0"/>
+          <a:ext cx="0" cy="0"/>
+          <a:chOff x="0" y="0"/>
+          <a:chExt cx="0" cy="0"/>
+        </a:xfrm>
+      </p:grpSpPr>
+      <p:sp>
+        <p:nvSpPr>
+          <p:cNvPr id="2" name="Slide Image Placeholder 1"/>
+          <p:cNvSpPr>
+            <a:spLocks noGrp="1" noRot="1" noChangeAspect="1"/>
+          </p:cNvSpPr>
+          <p:nvPr>
+            <p:ph type="sldImg"/>
+          </p:nvPr>
+        </p:nvSpPr>
+        <p:spPr/>
+      </p:sp>
+      <p:sp>
+        <p:nvSpPr>
+          <p:cNvPr id="3" name="Notes Placeholder 2"/>
+          <p:cNvSpPr>
+            <a:spLocks noGrp="1"/>
+          </p:cNvSpPr>
+          <p:nvPr>
+            <p:ph type="body" idx="1"/>
+          </p:nvPr>
+        </p:nvSpPr>
+        <p:spPr/>
+        <p:txBody>
+          <a:bodyPr/>
+          <a:lstStyle/>
+          <a:p>
+            <a:endParaRPr lang="en-US" dirty="0"/>
+          </a:p>
+        </p:txBody>
+      </p:sp>
+      <p:sp>
+        <p:nvSpPr>
+          <p:cNvPr id="4" name="Slide Number Placeholder 3"/>
+          <p:cNvSpPr>
+            <a:spLocks noGrp="1"/>
+          </p:cNvSpPr>
+          <p:nvPr>
+            <p:ph type="sldNum" sz="quarter" idx="5"/>
+          </p:nvPr>
+        </p:nvSpPr>
+        <p:spPr/>
+        <p:txBody>
+          <a:bodyPr/>
+          <a:lstStyle/>
+          <a:p>
+            <a:fld id="{2739E3C3-4FB9-4843-9319-0724EB9DF2B9}" type="slidenum">
+              <a:rPr lang="da-DK" smtClean="0"/>
+              <a:t>23</a:t>
+            </a:fld>
+            <a:endParaRPr lang="da-DK"/>
+          </a:p>
+        </p:txBody>
+      </p:sp>
+    </p:spTree>
+    <p:extLst>
+      <p:ext uri="{BB962C8B-B14F-4D97-AF65-F5344CB8AC3E}">
+        <p14:creationId xmlns:p14="http://schemas.microsoft.com/office/powerpoint/2010/main" val="429152774"/>
+      </p:ext>
+    </p:extLst>
+  </p:cSld>
+  <p:clrMapOvr>
+    <a:masterClrMapping/>
+  </p:clrMapOvr>
+</p:notes>
+</file>
+
 <file path=ppt/slideLayouts/slideLayout1.xml><?xml version="1.0" encoding="utf-8"?>
 <p:sldLayout xmlns:a="http://schemas.openxmlformats.org/drawingml/2006/main" xmlns:r="http://schemas.openxmlformats.org/officeDocument/2006/relationships" xmlns:p="http://schemas.openxmlformats.org/presentationml/2006/main" type="title" preserve="1">
   <p:cSld name="Title Slide">
@@ -1006,7 +1253,7 @@
           <a:p>
             <a:fld id="{ACF7820E-34FD-4988-B782-4EA914680210}" type="datetimeFigureOut">
               <a:rPr lang="da-DK" smtClean="0"/>
-              <a:t>28-08-2020</a:t>
+              <a:t>27-05-2021</a:t>
             </a:fld>
             <a:endParaRPr lang="da-DK"/>
           </a:p>
@@ -1154,7 +1401,7 @@
           <a:p>
             <a:fld id="{ACF7820E-34FD-4988-B782-4EA914680210}" type="datetimeFigureOut">
               <a:rPr lang="da-DK" smtClean="0"/>
-              <a:t>28-08-2020</a:t>
+              <a:t>27-05-2021</a:t>
             </a:fld>
             <a:endParaRPr lang="da-DK"/>
           </a:p>
@@ -1279,7 +1526,7 @@
           <a:p>
             <a:fld id="{ACF7820E-34FD-4988-B782-4EA914680210}" type="datetimeFigureOut">
               <a:rPr lang="da-DK" smtClean="0"/>
-              <a:t>28-08-2020</a:t>
+              <a:t>27-05-2021</a:t>
             </a:fld>
             <a:endParaRPr lang="da-DK"/>
           </a:p>
@@ -1404,7 +1651,7 @@
           <a:p>
             <a:fld id="{ACF7820E-34FD-4988-B782-4EA914680210}" type="datetimeFigureOut">
               <a:rPr lang="da-DK" smtClean="0"/>
-              <a:t>28-08-2020</a:t>
+              <a:t>27-05-2021</a:t>
             </a:fld>
             <a:endParaRPr lang="da-DK"/>
           </a:p>
@@ -1718,7 +1965,7 @@
           <a:p>
             <a:fld id="{ACF7820E-34FD-4988-B782-4EA914680210}" type="datetimeFigureOut">
               <a:rPr lang="da-DK" smtClean="0"/>
-              <a:t>28-08-2020</a:t>
+              <a:t>27-05-2021</a:t>
             </a:fld>
             <a:endParaRPr lang="da-DK"/>
           </a:p>
@@ -2032,7 +2279,7 @@
           <a:p>
             <a:fld id="{ACF7820E-34FD-4988-B782-4EA914680210}" type="datetimeFigureOut">
               <a:rPr lang="da-DK" smtClean="0"/>
-              <a:t>28-08-2020</a:t>
+              <a:t>27-05-2021</a:t>
             </a:fld>
             <a:endParaRPr lang="da-DK"/>
           </a:p>
@@ -2315,7 +2562,7 @@
           <a:p>
             <a:fld id="{ACF7820E-34FD-4988-B782-4EA914680210}" type="datetimeFigureOut">
               <a:rPr lang="da-DK" smtClean="0"/>
-              <a:t>28-08-2020</a:t>
+              <a:t>27-05-2021</a:t>
             </a:fld>
             <a:endParaRPr lang="da-DK"/>
           </a:p>
@@ -2598,7 +2845,7 @@
           <a:p>
             <a:fld id="{ACF7820E-34FD-4988-B782-4EA914680210}" type="datetimeFigureOut">
               <a:rPr lang="da-DK" smtClean="0"/>
-              <a:t>28-08-2020</a:t>
+              <a:t>27-05-2021</a:t>
             </a:fld>
             <a:endParaRPr lang="da-DK"/>
           </a:p>
@@ -2803,7 +3050,7 @@
           <a:p>
             <a:fld id="{ACF7820E-34FD-4988-B782-4EA914680210}" type="datetimeFigureOut">
               <a:rPr lang="da-DK" smtClean="0"/>
-              <a:t>28-08-2020</a:t>
+              <a:t>27-05-2021</a:t>
             </a:fld>
             <a:endParaRPr lang="da-DK"/>
           </a:p>
@@ -3008,7 +3255,7 @@
           <a:p>
             <a:fld id="{ACF7820E-34FD-4988-B782-4EA914680210}" type="datetimeFigureOut">
               <a:rPr lang="da-DK" smtClean="0"/>
-              <a:t>28-08-2020</a:t>
+              <a:t>27-05-2021</a:t>
             </a:fld>
             <a:endParaRPr lang="da-DK"/>
           </a:p>
@@ -3284,7 +3531,7 @@
           <a:p>
             <a:fld id="{ACF7820E-34FD-4988-B782-4EA914680210}" type="datetimeFigureOut">
               <a:rPr lang="da-DK" smtClean="0"/>
-              <a:t>28-08-2020</a:t>
+              <a:t>27-05-2021</a:t>
             </a:fld>
             <a:endParaRPr lang="da-DK"/>
           </a:p>
@@ -3516,7 +3763,7 @@
           <a:p>
             <a:fld id="{ACF7820E-34FD-4988-B782-4EA914680210}" type="datetimeFigureOut">
               <a:rPr lang="da-DK" smtClean="0"/>
-              <a:t>28-08-2020</a:t>
+              <a:t>27-05-2021</a:t>
             </a:fld>
             <a:endParaRPr lang="da-DK"/>
           </a:p>
@@ -3778,7 +4025,7 @@
           <a:p>
             <a:fld id="{ACF7820E-34FD-4988-B782-4EA914680210}" type="datetimeFigureOut">
               <a:rPr lang="da-DK" smtClean="0"/>
-              <a:t>28-08-2020</a:t>
+              <a:t>27-05-2021</a:t>
             </a:fld>
             <a:endParaRPr lang="da-DK"/>
           </a:p>
@@ -4191,7 +4438,7 @@
           <a:p>
             <a:fld id="{ACF7820E-34FD-4988-B782-4EA914680210}" type="datetimeFigureOut">
               <a:rPr lang="da-DK" smtClean="0"/>
-              <a:t>28-08-2020</a:t>
+              <a:t>27-05-2021</a:t>
             </a:fld>
             <a:endParaRPr lang="da-DK"/>
           </a:p>
@@ -4604,7 +4851,7 @@
           <a:p>
             <a:fld id="{ACF7820E-34FD-4988-B782-4EA914680210}" type="datetimeFigureOut">
               <a:rPr lang="da-DK" smtClean="0"/>
-              <a:t>28-08-2020</a:t>
+              <a:t>27-05-2021</a:t>
             </a:fld>
             <a:endParaRPr lang="da-DK"/>
           </a:p>
@@ -4752,7 +4999,7 @@
           <a:p>
             <a:fld id="{ACF7820E-34FD-4988-B782-4EA914680210}" type="datetimeFigureOut">
               <a:rPr lang="da-DK" smtClean="0"/>
-              <a:t>28-08-2020</a:t>
+              <a:t>27-05-2021</a:t>
             </a:fld>
             <a:endParaRPr lang="da-DK"/>
           </a:p>
@@ -4995,7 +5242,7 @@
           <a:p>
             <a:fld id="{ACF7820E-34FD-4988-B782-4EA914680210}" type="datetimeFigureOut">
               <a:rPr lang="da-DK" smtClean="0"/>
-              <a:t>28-08-2020</a:t>
+              <a:t>27-05-2021</a:t>
             </a:fld>
             <a:endParaRPr lang="da-DK"/>
           </a:p>
@@ -6374,7 +6621,7 @@
         <p:spPr>
           <a:xfrm>
             <a:off x="536294" y="1582340"/>
-            <a:ext cx="5483506" cy="2585323"/>
+            <a:ext cx="5483506" cy="5078313"/>
           </a:xfrm>
           <a:prstGeom prst="rect">
             <a:avLst/>
@@ -6393,7 +6640,7 @@
                   <a:srgbClr val="E64215"/>
                 </a:solidFill>
               </a:rPr>
-              <a:t>Session 1</a:t>
+              <a:t>Session 1, AL Editing</a:t>
             </a:r>
           </a:p>
           <a:p>
@@ -6403,7 +6650,7 @@
             </a:pPr>
             <a:r>
               <a:rPr lang="en-US" dirty="0"/>
-              <a:t>Setup</a:t>
+              <a:t>Record Session</a:t>
             </a:r>
           </a:p>
           <a:p>
@@ -6413,7 +6660,7 @@
             </a:pPr>
             <a:r>
               <a:rPr lang="en-US" dirty="0"/>
-              <a:t>Designer Deep Dive</a:t>
+              <a:t>Setup</a:t>
             </a:r>
           </a:p>
           <a:p>
@@ -6423,7 +6670,7 @@
             </a:pPr>
             <a:r>
               <a:rPr lang="en-US" dirty="0"/>
-              <a:t>Create new reports</a:t>
+              <a:t>Designer Deep Dive</a:t>
             </a:r>
           </a:p>
           <a:p>
@@ -6433,7 +6680,7 @@
             </a:pPr>
             <a:r>
               <a:rPr lang="en-US" dirty="0"/>
-              <a:t>Add ForNAV reports to your own extension</a:t>
+              <a:t>Create new reports</a:t>
             </a:r>
           </a:p>
           <a:p>
@@ -6443,7 +6690,7 @@
             </a:pPr>
             <a:r>
               <a:rPr lang="en-US" dirty="0"/>
-              <a:t>The ForNAV API</a:t>
+              <a:t>Add ForNAV reports to your own extension</a:t>
             </a:r>
           </a:p>
           <a:p>
@@ -6453,7 +6700,7 @@
             </a:pPr>
             <a:r>
               <a:rPr lang="en-US" dirty="0"/>
-              <a:t>ForNAV Language module</a:t>
+              <a:t>The ForNAV API</a:t>
             </a:r>
           </a:p>
           <a:p>
@@ -6461,9 +6708,16 @@
               <a:buFontTx/>
               <a:buChar char="-"/>
             </a:pPr>
-            <a:r>
-              <a:rPr lang="en-US" dirty="0"/>
-              <a:t>Templates</a:t>
+            <a:endParaRPr lang="en-US" dirty="0"/>
+          </a:p>
+          <a:p>
+            <a:r>
+              <a:rPr lang="en-US" dirty="0">
+                <a:solidFill>
+                  <a:srgbClr val="E64215"/>
+                </a:solidFill>
+              </a:rPr>
+              <a:t>Session 3, Conversion and upgrade</a:t>
             </a:r>
           </a:p>
           <a:p>
@@ -6473,7 +6727,77 @@
             </a:pPr>
             <a:r>
               <a:rPr lang="en-US" dirty="0"/>
-              <a:t>Custom report layouts</a:t>
+              <a:t>Record session</a:t>
+            </a:r>
+          </a:p>
+          <a:p>
+            <a:pPr marL="285750" indent="-285750">
+              <a:buFontTx/>
+              <a:buChar char="-"/>
+            </a:pPr>
+            <a:r>
+              <a:rPr lang="en-US" dirty="0"/>
+              <a:t>JavaScript</a:t>
+            </a:r>
+          </a:p>
+          <a:p>
+            <a:pPr marL="285750" indent="-285750">
+              <a:buFontTx/>
+              <a:buChar char="-"/>
+            </a:pPr>
+            <a:r>
+              <a:rPr lang="en-US" dirty="0"/>
+              <a:t>Conversion classic + RDLC</a:t>
+            </a:r>
+          </a:p>
+          <a:p>
+            <a:pPr marL="285750" indent="-285750">
+              <a:buFontTx/>
+              <a:buChar char="-"/>
+            </a:pPr>
+            <a:r>
+              <a:rPr lang="en-US" dirty="0"/>
+              <a:t>Upgrade ForNAV</a:t>
+            </a:r>
+          </a:p>
+          <a:p>
+            <a:pPr marL="285750" indent="-285750">
+              <a:buFontTx/>
+              <a:buChar char="-"/>
+            </a:pPr>
+            <a:r>
+              <a:rPr lang="en-US" dirty="0"/>
+              <a:t>Editing older version reports</a:t>
+            </a:r>
+          </a:p>
+          <a:p>
+            <a:pPr marL="285750" indent="-285750">
+              <a:buFontTx/>
+              <a:buChar char="-"/>
+            </a:pPr>
+            <a:r>
+              <a:rPr lang="en-US" dirty="0"/>
+              <a:t>Upgrade ForNAV Reports</a:t>
+            </a:r>
+          </a:p>
+          <a:p>
+            <a:pPr marL="285750" indent="-285750">
+              <a:buFontTx/>
+              <a:buChar char="-"/>
+            </a:pPr>
+            <a:r>
+              <a:rPr lang="en-US" dirty="0"/>
+              <a:t>deployment</a:t>
+            </a:r>
+          </a:p>
+          <a:p>
+            <a:pPr marL="285750" indent="-285750">
+              <a:buFontTx/>
+              <a:buChar char="-"/>
+            </a:pPr>
+            <a:r>
+              <a:rPr lang="en-US" dirty="0"/>
+              <a:t>Best practice change layout vs new report vs convert</a:t>
             </a:r>
           </a:p>
         </p:txBody>
@@ -6492,8 +6816,8 @@
         </p:nvSpPr>
         <p:spPr>
           <a:xfrm>
-            <a:off x="6321706" y="1585742"/>
-            <a:ext cx="4892233" cy="2862322"/>
+            <a:off x="6096000" y="1582340"/>
+            <a:ext cx="4892233" cy="3416320"/>
           </a:xfrm>
           <a:prstGeom prst="rect">
             <a:avLst/>
@@ -6512,52 +6836,7 @@
                   <a:srgbClr val="E64215"/>
                 </a:solidFill>
               </a:rPr>
-              <a:t>Session 2</a:t>
-            </a:r>
-          </a:p>
-          <a:p>
-            <a:r>
-              <a:rPr lang="en-US" dirty="0"/>
-              <a:t>- Adding data from other tables</a:t>
-            </a:r>
-          </a:p>
-          <a:p>
-            <a:r>
-              <a:rPr lang="en-US" dirty="0"/>
-              <a:t>- Totals and transheaders and -footers</a:t>
-            </a:r>
-          </a:p>
-          <a:p>
-            <a:r>
-              <a:rPr lang="en-US" dirty="0"/>
-              <a:t>- Add DataItems</a:t>
-            </a:r>
-          </a:p>
-          <a:p>
-            <a:r>
-              <a:rPr lang="en-US" dirty="0"/>
-              <a:t>- </a:t>
-            </a:r>
-            <a:r>
-              <a:rPr lang="en-US" dirty="0" err="1"/>
-              <a:t>Groupheaders</a:t>
-            </a:r>
-            <a:r>
-              <a:rPr lang="en-US" dirty="0"/>
-              <a:t> and -footers</a:t>
-            </a:r>
-          </a:p>
-          <a:p>
-            <a:r>
-              <a:rPr lang="en-US"/>
-              <a:t>- Conversion</a:t>
-            </a:r>
-            <a:endParaRPr lang="en-US" dirty="0"/>
-          </a:p>
-          <a:p>
-            <a:r>
-              <a:rPr lang="en-US" dirty="0"/>
-              <a:t>- JavaScript Deep Dive</a:t>
+              <a:t>Session 2, changes without AL editing</a:t>
             </a:r>
           </a:p>
           <a:p>
@@ -6565,22 +6844,113 @@
               <a:buFontTx/>
               <a:buChar char="-"/>
             </a:pPr>
-            <a:endParaRPr lang="en-US" dirty="0"/>
-          </a:p>
-          <a:p>
-            <a:r>
-              <a:rPr lang="en-US" dirty="0">
-                <a:solidFill>
-                  <a:srgbClr val="E64215"/>
-                </a:solidFill>
-              </a:rPr>
-              <a:t>Session 3</a:t>
-            </a:r>
-          </a:p>
-          <a:p>
-            <a:r>
-              <a:rPr lang="en-US" dirty="0"/>
-              <a:t>- Recap and last questions</a:t>
+            <a:r>
+              <a:rPr lang="en-US" dirty="0"/>
+              <a:t>Record session</a:t>
+            </a:r>
+          </a:p>
+          <a:p>
+            <a:pPr marL="285750" indent="-285750">
+              <a:buFontTx/>
+              <a:buChar char="-"/>
+            </a:pPr>
+            <a:r>
+              <a:rPr lang="en-US" dirty="0"/>
+              <a:t>Custom report layouts</a:t>
+            </a:r>
+          </a:p>
+          <a:p>
+            <a:pPr marL="285750" indent="-285750">
+              <a:buFontTx/>
+              <a:buChar char="-"/>
+            </a:pPr>
+            <a:r>
+              <a:rPr lang="en-US" dirty="0"/>
+              <a:t>Templates</a:t>
+            </a:r>
+          </a:p>
+          <a:p>
+            <a:pPr marL="285750" indent="-285750">
+              <a:buFontTx/>
+              <a:buChar char="-"/>
+            </a:pPr>
+            <a:r>
+              <a:rPr lang="en-US" dirty="0"/>
+              <a:t>ForNAV Language module</a:t>
+            </a:r>
+          </a:p>
+          <a:p>
+            <a:pPr marL="285750" indent="-285750">
+              <a:buFontTx/>
+              <a:buChar char="-"/>
+            </a:pPr>
+            <a:r>
+              <a:rPr lang="en-US" dirty="0"/>
+              <a:t>Adding data from other tables</a:t>
+            </a:r>
+          </a:p>
+          <a:p>
+            <a:pPr marL="285750" indent="-285750">
+              <a:buFontTx/>
+              <a:buChar char="-"/>
+            </a:pPr>
+            <a:r>
+              <a:rPr lang="en-US" dirty="0"/>
+              <a:t>Totals and transheaders and –footers</a:t>
+            </a:r>
+          </a:p>
+          <a:p>
+            <a:pPr marL="285750" indent="-285750">
+              <a:buFontTx/>
+              <a:buChar char="-"/>
+            </a:pPr>
+            <a:r>
+              <a:rPr lang="en-US" dirty="0"/>
+              <a:t>Add DataItems</a:t>
+            </a:r>
+          </a:p>
+          <a:p>
+            <a:pPr marL="285750" indent="-285750">
+              <a:buFontTx/>
+              <a:buChar char="-"/>
+            </a:pPr>
+            <a:r>
+              <a:rPr lang="en-US" dirty="0" err="1"/>
+              <a:t>Groupheaders</a:t>
+            </a:r>
+            <a:r>
+              <a:rPr lang="en-US" dirty="0"/>
+              <a:t> and –footers</a:t>
+            </a:r>
+          </a:p>
+          <a:p>
+            <a:pPr marL="285750" indent="-285750">
+              <a:buFontTx/>
+              <a:buChar char="-"/>
+            </a:pPr>
+            <a:r>
+              <a:rPr lang="en-US" dirty="0"/>
+              <a:t>Check Report (US Only)</a:t>
+            </a:r>
+          </a:p>
+          <a:p>
+            <a:pPr marL="285750" indent="-285750">
+              <a:buFontTx/>
+              <a:buChar char="-"/>
+            </a:pPr>
+            <a:r>
+              <a:rPr lang="en-US" dirty="0"/>
+              <a:t>Direct Print</a:t>
+            </a:r>
+          </a:p>
+          <a:p>
+            <a:pPr marL="285750" indent="-285750">
+              <a:buFontTx/>
+              <a:buChar char="-"/>
+            </a:pPr>
+            <a:r>
+              <a:rPr lang="en-US" dirty="0"/>
+              <a:t>Archive</a:t>
             </a:r>
           </a:p>
         </p:txBody>
@@ -6588,7 +6958,7 @@
     </p:spTree>
     <p:extLst>
       <p:ext uri="{BB962C8B-B14F-4D97-AF65-F5344CB8AC3E}">
-        <p14:creationId xmlns:p14="http://schemas.microsoft.com/office/powerpoint/2010/main" val="2725711140"/>
+        <p14:creationId xmlns:p14="http://schemas.microsoft.com/office/powerpoint/2010/main" val="3539405860"/>
       </p:ext>
     </p:extLst>
   </p:cSld>
@@ -6683,6 +7053,704 @@
 </file>
 
 <file path=ppt/slides/slide21.xml><?xml version="1.0" encoding="utf-8"?>
+<p:sld xmlns:a="http://schemas.openxmlformats.org/drawingml/2006/main" xmlns:r="http://schemas.openxmlformats.org/officeDocument/2006/relationships" xmlns:p="http://schemas.openxmlformats.org/presentationml/2006/main">
+  <p:cSld>
+    <p:spTree>
+      <p:nvGrpSpPr>
+        <p:cNvPr id="1" name=""/>
+        <p:cNvGrpSpPr/>
+        <p:nvPr/>
+      </p:nvGrpSpPr>
+      <p:grpSpPr>
+        <a:xfrm>
+          <a:off x="0" y="0"/>
+          <a:ext cx="0" cy="0"/>
+          <a:chOff x="0" y="0"/>
+          <a:chExt cx="0" cy="0"/>
+        </a:xfrm>
+      </p:grpSpPr>
+      <p:sp>
+        <p:nvSpPr>
+          <p:cNvPr id="2" name="Title 1">
+            <a:extLst>
+              <a:ext uri="{FF2B5EF4-FFF2-40B4-BE49-F238E27FC236}">
+                <a16:creationId xmlns:a16="http://schemas.microsoft.com/office/drawing/2014/main" id="{63D9F042-6B1A-4D91-850A-2D05EDB9E8A5}"/>
+              </a:ext>
+            </a:extLst>
+          </p:cNvPr>
+          <p:cNvSpPr>
+            <a:spLocks noGrp="1"/>
+          </p:cNvSpPr>
+          <p:nvPr>
+            <p:ph type="title"/>
+          </p:nvPr>
+        </p:nvSpPr>
+        <p:spPr>
+          <a:xfrm>
+            <a:off x="838200" y="365125"/>
+            <a:ext cx="10515600" cy="1325563"/>
+          </a:xfrm>
+        </p:spPr>
+        <p:txBody>
+          <a:bodyPr/>
+          <a:lstStyle/>
+          <a:p>
+            <a:r>
+              <a:rPr lang="en-US" dirty="0"/>
+              <a:t>When to edit report layouts</a:t>
+            </a:r>
+          </a:p>
+        </p:txBody>
+      </p:sp>
+      <p:sp>
+        <p:nvSpPr>
+          <p:cNvPr id="6" name="Content Placeholder 2">
+            <a:extLst>
+              <a:ext uri="{FF2B5EF4-FFF2-40B4-BE49-F238E27FC236}">
+                <a16:creationId xmlns:a16="http://schemas.microsoft.com/office/drawing/2014/main" id="{09349AB1-E3D6-4D09-8EB1-7FDC3CB289C6}"/>
+              </a:ext>
+            </a:extLst>
+          </p:cNvPr>
+          <p:cNvSpPr>
+            <a:spLocks noGrp="1"/>
+          </p:cNvSpPr>
+          <p:nvPr>
+            <p:ph idx="1"/>
+          </p:nvPr>
+        </p:nvSpPr>
+        <p:spPr>
+          <a:xfrm>
+            <a:off x="838200" y="1840688"/>
+            <a:ext cx="10515600" cy="4351338"/>
+          </a:xfrm>
+        </p:spPr>
+        <p:txBody>
+          <a:bodyPr>
+            <a:normAutofit fontScale="62500" lnSpcReduction="20000"/>
+          </a:bodyPr>
+          <a:lstStyle/>
+          <a:p>
+            <a:pPr>
+              <a:lnSpc>
+                <a:spcPct val="100000"/>
+              </a:lnSpc>
+              <a:spcAft>
+                <a:spcPts val="1000"/>
+              </a:spcAft>
+            </a:pPr>
+            <a:r>
+              <a:rPr lang="en-US" dirty="0"/>
+              <a:t>Always start with editing a ForNAV custom report</a:t>
+            </a:r>
+          </a:p>
+          <a:p>
+            <a:pPr>
+              <a:lnSpc>
+                <a:spcPct val="100000"/>
+              </a:lnSpc>
+              <a:spcAft>
+                <a:spcPts val="1000"/>
+              </a:spcAft>
+            </a:pPr>
+            <a:r>
+              <a:rPr lang="en-US" dirty="0"/>
+              <a:t>Customize layouts</a:t>
+            </a:r>
+          </a:p>
+          <a:p>
+            <a:pPr lvl="1">
+              <a:lnSpc>
+                <a:spcPct val="100000"/>
+              </a:lnSpc>
+              <a:spcAft>
+                <a:spcPts val="1000"/>
+              </a:spcAft>
+            </a:pPr>
+            <a:r>
+              <a:rPr lang="en-US" dirty="0"/>
+              <a:t>Add data from related tables</a:t>
+            </a:r>
+          </a:p>
+          <a:p>
+            <a:pPr lvl="1">
+              <a:lnSpc>
+                <a:spcPct val="100000"/>
+              </a:lnSpc>
+              <a:spcAft>
+                <a:spcPts val="1000"/>
+              </a:spcAft>
+            </a:pPr>
+            <a:r>
+              <a:rPr lang="en-US" dirty="0"/>
+              <a:t>Add fields from extensions</a:t>
+            </a:r>
+          </a:p>
+          <a:p>
+            <a:pPr lvl="1">
+              <a:lnSpc>
+                <a:spcPct val="100000"/>
+              </a:lnSpc>
+              <a:spcAft>
+                <a:spcPts val="1000"/>
+              </a:spcAft>
+            </a:pPr>
+            <a:r>
+              <a:rPr lang="en-US" dirty="0"/>
+              <a:t>Add DataItems</a:t>
+            </a:r>
+          </a:p>
+          <a:p>
+            <a:pPr lvl="1">
+              <a:lnSpc>
+                <a:spcPct val="100000"/>
+              </a:lnSpc>
+              <a:spcAft>
+                <a:spcPts val="1000"/>
+              </a:spcAft>
+            </a:pPr>
+            <a:r>
+              <a:rPr lang="en-US" dirty="0"/>
+              <a:t>Change DataItem sorting</a:t>
+            </a:r>
+          </a:p>
+          <a:p>
+            <a:pPr lvl="1">
+              <a:lnSpc>
+                <a:spcPct val="100000"/>
+              </a:lnSpc>
+              <a:spcAft>
+                <a:spcPts val="1000"/>
+              </a:spcAft>
+            </a:pPr>
+            <a:r>
+              <a:rPr lang="en-US" dirty="0"/>
+              <a:t>Change Object Captions</a:t>
+            </a:r>
+          </a:p>
+          <a:p>
+            <a:pPr lvl="1">
+              <a:lnSpc>
+                <a:spcPct val="100000"/>
+              </a:lnSpc>
+              <a:spcAft>
+                <a:spcPts val="1000"/>
+              </a:spcAft>
+            </a:pPr>
+            <a:r>
+              <a:rPr lang="en-US" dirty="0"/>
+              <a:t>Show/Hide sections and controls</a:t>
+            </a:r>
+          </a:p>
+          <a:p>
+            <a:pPr lvl="1">
+              <a:lnSpc>
+                <a:spcPct val="100000"/>
+              </a:lnSpc>
+              <a:spcAft>
+                <a:spcPts val="1000"/>
+              </a:spcAft>
+            </a:pPr>
+            <a:r>
+              <a:rPr lang="en-US" dirty="0"/>
+              <a:t>Control Fonts and colors</a:t>
+            </a:r>
+          </a:p>
+          <a:p>
+            <a:pPr lvl="1">
+              <a:lnSpc>
+                <a:spcPct val="100000"/>
+              </a:lnSpc>
+              <a:spcAft>
+                <a:spcPts val="1000"/>
+              </a:spcAft>
+            </a:pPr>
+            <a:r>
+              <a:rPr lang="en-US" dirty="0"/>
+              <a:t>Calculate report totals</a:t>
+            </a:r>
+          </a:p>
+          <a:p>
+            <a:pPr lvl="1">
+              <a:lnSpc>
+                <a:spcPct val="100000"/>
+              </a:lnSpc>
+              <a:spcAft>
+                <a:spcPts val="1000"/>
+              </a:spcAft>
+            </a:pPr>
+            <a:r>
+              <a:rPr lang="en-US" dirty="0"/>
+              <a:t>Create Group Totals</a:t>
+            </a:r>
+          </a:p>
+          <a:p>
+            <a:pPr lvl="1">
+              <a:lnSpc>
+                <a:spcPct val="100000"/>
+              </a:lnSpc>
+              <a:spcAft>
+                <a:spcPts val="1000"/>
+              </a:spcAft>
+            </a:pPr>
+            <a:endParaRPr lang="en-US" dirty="0"/>
+          </a:p>
+        </p:txBody>
+      </p:sp>
+    </p:spTree>
+    <p:extLst>
+      <p:ext uri="{BB962C8B-B14F-4D97-AF65-F5344CB8AC3E}">
+        <p14:creationId xmlns:p14="http://schemas.microsoft.com/office/powerpoint/2010/main" val="2607121598"/>
+      </p:ext>
+    </p:extLst>
+  </p:cSld>
+  <p:clrMapOvr>
+    <a:masterClrMapping/>
+  </p:clrMapOvr>
+</p:sld>
+</file>
+
+<file path=ppt/slides/slide22.xml><?xml version="1.0" encoding="utf-8"?>
+<p:sld xmlns:a="http://schemas.openxmlformats.org/drawingml/2006/main" xmlns:r="http://schemas.openxmlformats.org/officeDocument/2006/relationships" xmlns:p="http://schemas.openxmlformats.org/presentationml/2006/main">
+  <p:cSld>
+    <p:spTree>
+      <p:nvGrpSpPr>
+        <p:cNvPr id="1" name=""/>
+        <p:cNvGrpSpPr/>
+        <p:nvPr/>
+      </p:nvGrpSpPr>
+      <p:grpSpPr>
+        <a:xfrm>
+          <a:off x="0" y="0"/>
+          <a:ext cx="0" cy="0"/>
+          <a:chOff x="0" y="0"/>
+          <a:chExt cx="0" cy="0"/>
+        </a:xfrm>
+      </p:grpSpPr>
+      <p:sp>
+        <p:nvSpPr>
+          <p:cNvPr id="2" name="Title 1">
+            <a:extLst>
+              <a:ext uri="{FF2B5EF4-FFF2-40B4-BE49-F238E27FC236}">
+                <a16:creationId xmlns:a16="http://schemas.microsoft.com/office/drawing/2014/main" id="{63D9F042-6B1A-4D91-850A-2D05EDB9E8A5}"/>
+              </a:ext>
+            </a:extLst>
+          </p:cNvPr>
+          <p:cNvSpPr>
+            <a:spLocks noGrp="1"/>
+          </p:cNvSpPr>
+          <p:nvPr>
+            <p:ph type="title"/>
+          </p:nvPr>
+        </p:nvSpPr>
+        <p:spPr>
+          <a:xfrm>
+            <a:off x="838200" y="365125"/>
+            <a:ext cx="10515600" cy="1325563"/>
+          </a:xfrm>
+        </p:spPr>
+        <p:txBody>
+          <a:bodyPr/>
+          <a:lstStyle/>
+          <a:p>
+            <a:r>
+              <a:rPr lang="en-US" dirty="0"/>
+              <a:t>When to create/clone reports</a:t>
+            </a:r>
+          </a:p>
+        </p:txBody>
+      </p:sp>
+      <p:sp>
+        <p:nvSpPr>
+          <p:cNvPr id="6" name="Content Placeholder 2">
+            <a:extLst>
+              <a:ext uri="{FF2B5EF4-FFF2-40B4-BE49-F238E27FC236}">
+                <a16:creationId xmlns:a16="http://schemas.microsoft.com/office/drawing/2014/main" id="{85BD9745-0E9B-44B8-8605-129F9DAB19A5}"/>
+              </a:ext>
+            </a:extLst>
+          </p:cNvPr>
+          <p:cNvSpPr>
+            <a:spLocks noGrp="1"/>
+          </p:cNvSpPr>
+          <p:nvPr>
+            <p:ph idx="1"/>
+          </p:nvPr>
+        </p:nvSpPr>
+        <p:spPr>
+          <a:xfrm>
+            <a:off x="838200" y="1840688"/>
+            <a:ext cx="10515600" cy="4351338"/>
+          </a:xfrm>
+        </p:spPr>
+        <p:txBody>
+          <a:bodyPr>
+            <a:normAutofit fontScale="62500" lnSpcReduction="20000"/>
+          </a:bodyPr>
+          <a:lstStyle/>
+          <a:p>
+            <a:pPr>
+              <a:lnSpc>
+                <a:spcPct val="100000"/>
+              </a:lnSpc>
+              <a:spcAft>
+                <a:spcPts val="1000"/>
+              </a:spcAft>
+            </a:pPr>
+            <a:r>
+              <a:rPr lang="en-US" dirty="0"/>
+              <a:t>Required report not in the Customizable Report Pack</a:t>
+            </a:r>
+          </a:p>
+          <a:p>
+            <a:pPr>
+              <a:lnSpc>
+                <a:spcPct val="100000"/>
+              </a:lnSpc>
+              <a:spcAft>
+                <a:spcPts val="1000"/>
+              </a:spcAft>
+            </a:pPr>
+            <a:r>
+              <a:rPr lang="en-US" dirty="0"/>
+              <a:t>Request page changes</a:t>
+            </a:r>
+          </a:p>
+          <a:p>
+            <a:pPr>
+              <a:lnSpc>
+                <a:spcPct val="100000"/>
+              </a:lnSpc>
+              <a:spcAft>
+                <a:spcPts val="1000"/>
+              </a:spcAft>
+            </a:pPr>
+            <a:r>
+              <a:rPr lang="en-US" dirty="0"/>
+              <a:t>Calculations impossible in ForNAV layouts</a:t>
+            </a:r>
+          </a:p>
+          <a:p>
+            <a:pPr lvl="1">
+              <a:lnSpc>
+                <a:spcPct val="100000"/>
+              </a:lnSpc>
+              <a:spcAft>
+                <a:spcPts val="1000"/>
+              </a:spcAft>
+            </a:pPr>
+            <a:r>
+              <a:rPr lang="en-US" dirty="0"/>
+              <a:t>VAT Calculation</a:t>
+            </a:r>
+          </a:p>
+          <a:p>
+            <a:pPr lvl="1">
+              <a:lnSpc>
+                <a:spcPct val="100000"/>
+              </a:lnSpc>
+              <a:spcAft>
+                <a:spcPts val="1000"/>
+              </a:spcAft>
+            </a:pPr>
+            <a:r>
+              <a:rPr lang="en-US" dirty="0"/>
+              <a:t>Has Discount</a:t>
+            </a:r>
+          </a:p>
+          <a:p>
+            <a:pPr>
+              <a:lnSpc>
+                <a:spcPct val="100000"/>
+              </a:lnSpc>
+              <a:spcAft>
+                <a:spcPts val="1000"/>
+              </a:spcAft>
+            </a:pPr>
+            <a:r>
+              <a:rPr lang="en-US" dirty="0"/>
+              <a:t>Populate Temporary tables</a:t>
+            </a:r>
+          </a:p>
+          <a:p>
+            <a:pPr lvl="1">
+              <a:lnSpc>
+                <a:spcPct val="100000"/>
+              </a:lnSpc>
+              <a:spcAft>
+                <a:spcPts val="1000"/>
+              </a:spcAft>
+            </a:pPr>
+            <a:r>
+              <a:rPr lang="en-US" dirty="0"/>
+              <a:t>Serial No</a:t>
+            </a:r>
+          </a:p>
+          <a:p>
+            <a:pPr lvl="1">
+              <a:lnSpc>
+                <a:spcPct val="100000"/>
+              </a:lnSpc>
+              <a:spcAft>
+                <a:spcPts val="1000"/>
+              </a:spcAft>
+            </a:pPr>
+            <a:r>
+              <a:rPr lang="en-US" dirty="0"/>
+              <a:t>Item Attributes</a:t>
+            </a:r>
+          </a:p>
+          <a:p>
+            <a:pPr>
+              <a:lnSpc>
+                <a:spcPct val="100000"/>
+              </a:lnSpc>
+              <a:spcAft>
+                <a:spcPts val="1000"/>
+              </a:spcAft>
+            </a:pPr>
+            <a:r>
+              <a:rPr lang="en-US" dirty="0"/>
+              <a:t>Add Business Logic</a:t>
+            </a:r>
+          </a:p>
+          <a:p>
+            <a:pPr lvl="1">
+              <a:lnSpc>
+                <a:spcPct val="100000"/>
+              </a:lnSpc>
+              <a:spcAft>
+                <a:spcPts val="1000"/>
+              </a:spcAft>
+            </a:pPr>
+            <a:r>
+              <a:rPr lang="en-US" dirty="0"/>
+              <a:t>Update Number printed</a:t>
+            </a:r>
+          </a:p>
+          <a:p>
+            <a:pPr lvl="1">
+              <a:lnSpc>
+                <a:spcPct val="100000"/>
+              </a:lnSpc>
+              <a:spcAft>
+                <a:spcPts val="1000"/>
+              </a:spcAft>
+            </a:pPr>
+            <a:endParaRPr lang="en-US" dirty="0"/>
+          </a:p>
+        </p:txBody>
+      </p:sp>
+    </p:spTree>
+    <p:extLst>
+      <p:ext uri="{BB962C8B-B14F-4D97-AF65-F5344CB8AC3E}">
+        <p14:creationId xmlns:p14="http://schemas.microsoft.com/office/powerpoint/2010/main" val="1250154775"/>
+      </p:ext>
+    </p:extLst>
+  </p:cSld>
+  <p:clrMapOvr>
+    <a:masterClrMapping/>
+  </p:clrMapOvr>
+</p:sld>
+</file>
+
+<file path=ppt/slides/slide23.xml><?xml version="1.0" encoding="utf-8"?>
+<p:sld xmlns:a="http://schemas.openxmlformats.org/drawingml/2006/main" xmlns:r="http://schemas.openxmlformats.org/officeDocument/2006/relationships" xmlns:p="http://schemas.openxmlformats.org/presentationml/2006/main">
+  <p:cSld>
+    <p:spTree>
+      <p:nvGrpSpPr>
+        <p:cNvPr id="1" name=""/>
+        <p:cNvGrpSpPr/>
+        <p:nvPr/>
+      </p:nvGrpSpPr>
+      <p:grpSpPr>
+        <a:xfrm>
+          <a:off x="0" y="0"/>
+          <a:ext cx="0" cy="0"/>
+          <a:chOff x="0" y="0"/>
+          <a:chExt cx="0" cy="0"/>
+        </a:xfrm>
+      </p:grpSpPr>
+      <p:sp>
+        <p:nvSpPr>
+          <p:cNvPr id="2" name="Title 1">
+            <a:extLst>
+              <a:ext uri="{FF2B5EF4-FFF2-40B4-BE49-F238E27FC236}">
+                <a16:creationId xmlns:a16="http://schemas.microsoft.com/office/drawing/2014/main" id="{63D9F042-6B1A-4D91-850A-2D05EDB9E8A5}"/>
+              </a:ext>
+            </a:extLst>
+          </p:cNvPr>
+          <p:cNvSpPr>
+            <a:spLocks noGrp="1"/>
+          </p:cNvSpPr>
+          <p:nvPr>
+            <p:ph type="title"/>
+          </p:nvPr>
+        </p:nvSpPr>
+        <p:spPr>
+          <a:xfrm>
+            <a:off x="838200" y="365125"/>
+            <a:ext cx="10515600" cy="1325563"/>
+          </a:xfrm>
+        </p:spPr>
+        <p:txBody>
+          <a:bodyPr/>
+          <a:lstStyle/>
+          <a:p>
+            <a:pPr>
+              <a:lnSpc>
+                <a:spcPct val="100000"/>
+              </a:lnSpc>
+              <a:spcAft>
+                <a:spcPts val="1000"/>
+              </a:spcAft>
+            </a:pPr>
+            <a:r>
+              <a:rPr lang="en-US" dirty="0"/>
+              <a:t>Considerations for conversion</a:t>
+            </a:r>
+          </a:p>
+        </p:txBody>
+      </p:sp>
+      <p:sp>
+        <p:nvSpPr>
+          <p:cNvPr id="6" name="Content Placeholder 2">
+            <a:extLst>
+              <a:ext uri="{FF2B5EF4-FFF2-40B4-BE49-F238E27FC236}">
+                <a16:creationId xmlns:a16="http://schemas.microsoft.com/office/drawing/2014/main" id="{F1AA8886-0008-4C10-8238-57B559719EB5}"/>
+              </a:ext>
+            </a:extLst>
+          </p:cNvPr>
+          <p:cNvSpPr>
+            <a:spLocks noGrp="1"/>
+          </p:cNvSpPr>
+          <p:nvPr>
+            <p:ph idx="1"/>
+          </p:nvPr>
+        </p:nvSpPr>
+        <p:spPr>
+          <a:xfrm>
+            <a:off x="838200" y="1840688"/>
+            <a:ext cx="10515600" cy="4351338"/>
+          </a:xfrm>
+        </p:spPr>
+        <p:txBody>
+          <a:bodyPr>
+            <a:normAutofit/>
+          </a:bodyPr>
+          <a:lstStyle/>
+          <a:p>
+            <a:pPr lvl="1">
+              <a:lnSpc>
+                <a:spcPct val="100000"/>
+              </a:lnSpc>
+              <a:spcAft>
+                <a:spcPts val="1000"/>
+              </a:spcAft>
+            </a:pPr>
+            <a:r>
+              <a:rPr lang="en-US" dirty="0"/>
+              <a:t>What goes in comes out</a:t>
+            </a:r>
+          </a:p>
+          <a:p>
+            <a:pPr lvl="2">
+              <a:lnSpc>
+                <a:spcPct val="100000"/>
+              </a:lnSpc>
+              <a:spcAft>
+                <a:spcPts val="1000"/>
+              </a:spcAft>
+            </a:pPr>
+            <a:r>
+              <a:rPr lang="en-US" dirty="0"/>
+              <a:t>No code cleanup</a:t>
+            </a:r>
+          </a:p>
+          <a:p>
+            <a:pPr lvl="1">
+              <a:lnSpc>
+                <a:spcPct val="100000"/>
+              </a:lnSpc>
+              <a:spcAft>
+                <a:spcPts val="1000"/>
+              </a:spcAft>
+            </a:pPr>
+            <a:r>
+              <a:rPr lang="en-US" dirty="0"/>
+              <a:t>No optimization for ForNAV</a:t>
+            </a:r>
+          </a:p>
+          <a:p>
+            <a:pPr lvl="1">
+              <a:lnSpc>
+                <a:spcPct val="100000"/>
+              </a:lnSpc>
+              <a:spcAft>
+                <a:spcPts val="1000"/>
+              </a:spcAft>
+            </a:pPr>
+            <a:r>
+              <a:rPr lang="en-US" dirty="0"/>
+              <a:t>RDLC Conversion is 90-95% successful</a:t>
+            </a:r>
+          </a:p>
+          <a:p>
+            <a:pPr lvl="1">
+              <a:lnSpc>
+                <a:spcPct val="100000"/>
+              </a:lnSpc>
+              <a:spcAft>
+                <a:spcPts val="1000"/>
+              </a:spcAft>
+            </a:pPr>
+            <a:r>
+              <a:rPr lang="en-US" dirty="0"/>
+              <a:t>There are cases where using the ForNAV standard reports is faster than converting old reports</a:t>
+            </a:r>
+          </a:p>
+          <a:p>
+            <a:pPr lvl="2">
+              <a:lnSpc>
+                <a:spcPct val="100000"/>
+              </a:lnSpc>
+              <a:spcAft>
+                <a:spcPts val="1000"/>
+              </a:spcAft>
+            </a:pPr>
+            <a:r>
+              <a:rPr lang="en-US" dirty="0"/>
+              <a:t>Reports run faster</a:t>
+            </a:r>
+          </a:p>
+          <a:p>
+            <a:pPr lvl="2">
+              <a:lnSpc>
+                <a:spcPct val="100000"/>
+              </a:lnSpc>
+              <a:spcAft>
+                <a:spcPts val="1000"/>
+              </a:spcAft>
+            </a:pPr>
+            <a:r>
+              <a:rPr lang="en-US" dirty="0"/>
+              <a:t>Easier to maintain and customize</a:t>
+            </a:r>
+          </a:p>
+        </p:txBody>
+      </p:sp>
+    </p:spTree>
+    <p:extLst>
+      <p:ext uri="{BB962C8B-B14F-4D97-AF65-F5344CB8AC3E}">
+        <p14:creationId xmlns:p14="http://schemas.microsoft.com/office/powerpoint/2010/main" val="2585781899"/>
+      </p:ext>
+    </p:extLst>
+  </p:cSld>
+  <p:clrMapOvr>
+    <a:masterClrMapping/>
+  </p:clrMapOvr>
+</p:sld>
+</file>
+
+<file path=ppt/slides/slide24.xml><?xml version="1.0" encoding="utf-8"?>
 <p:sld xmlns:a="http://schemas.openxmlformats.org/drawingml/2006/main" xmlns:r="http://schemas.openxmlformats.org/officeDocument/2006/relationships" xmlns:p="http://schemas.openxmlformats.org/presentationml/2006/main">
   <p:cSld>
     <p:spTree>
